--- a/docs/diagrams/AutocompleteSuggestActivityDiagram3.pptx
+++ b/docs/diagrams/AutocompleteSuggestActivityDiagram3.pptx
@@ -261,7 +261,7 @@
           <a:p>
             <a:fld id="{542F47FF-5056-41FF-A1F8-23A414798AA4}" type="datetimeFigureOut">
               <a:rPr lang="en-SG" smtClean="0"/>
-              <a:t>17/10/2018</a:t>
+              <a:t>12/11/2018</a:t>
             </a:fld>
             <a:endParaRPr lang="en-SG"/>
           </a:p>
@@ -461,7 +461,7 @@
           <a:p>
             <a:fld id="{542F47FF-5056-41FF-A1F8-23A414798AA4}" type="datetimeFigureOut">
               <a:rPr lang="en-SG" smtClean="0"/>
-              <a:t>17/10/2018</a:t>
+              <a:t>12/11/2018</a:t>
             </a:fld>
             <a:endParaRPr lang="en-SG"/>
           </a:p>
@@ -671,7 +671,7 @@
           <a:p>
             <a:fld id="{542F47FF-5056-41FF-A1F8-23A414798AA4}" type="datetimeFigureOut">
               <a:rPr lang="en-SG" smtClean="0"/>
-              <a:t>17/10/2018</a:t>
+              <a:t>12/11/2018</a:t>
             </a:fld>
             <a:endParaRPr lang="en-SG"/>
           </a:p>
@@ -871,7 +871,7 @@
           <a:p>
             <a:fld id="{542F47FF-5056-41FF-A1F8-23A414798AA4}" type="datetimeFigureOut">
               <a:rPr lang="en-SG" smtClean="0"/>
-              <a:t>17/10/2018</a:t>
+              <a:t>12/11/2018</a:t>
             </a:fld>
             <a:endParaRPr lang="en-SG"/>
           </a:p>
@@ -1147,7 +1147,7 @@
           <a:p>
             <a:fld id="{542F47FF-5056-41FF-A1F8-23A414798AA4}" type="datetimeFigureOut">
               <a:rPr lang="en-SG" smtClean="0"/>
-              <a:t>17/10/2018</a:t>
+              <a:t>12/11/2018</a:t>
             </a:fld>
             <a:endParaRPr lang="en-SG"/>
           </a:p>
@@ -1415,7 +1415,7 @@
           <a:p>
             <a:fld id="{542F47FF-5056-41FF-A1F8-23A414798AA4}" type="datetimeFigureOut">
               <a:rPr lang="en-SG" smtClean="0"/>
-              <a:t>17/10/2018</a:t>
+              <a:t>12/11/2018</a:t>
             </a:fld>
             <a:endParaRPr lang="en-SG"/>
           </a:p>
@@ -1830,7 +1830,7 @@
           <a:p>
             <a:fld id="{542F47FF-5056-41FF-A1F8-23A414798AA4}" type="datetimeFigureOut">
               <a:rPr lang="en-SG" smtClean="0"/>
-              <a:t>17/10/2018</a:t>
+              <a:t>12/11/2018</a:t>
             </a:fld>
             <a:endParaRPr lang="en-SG"/>
           </a:p>
@@ -1972,7 +1972,7 @@
           <a:p>
             <a:fld id="{542F47FF-5056-41FF-A1F8-23A414798AA4}" type="datetimeFigureOut">
               <a:rPr lang="en-SG" smtClean="0"/>
-              <a:t>17/10/2018</a:t>
+              <a:t>12/11/2018</a:t>
             </a:fld>
             <a:endParaRPr lang="en-SG"/>
           </a:p>
@@ -2085,7 +2085,7 @@
           <a:p>
             <a:fld id="{542F47FF-5056-41FF-A1F8-23A414798AA4}" type="datetimeFigureOut">
               <a:rPr lang="en-SG" smtClean="0"/>
-              <a:t>17/10/2018</a:t>
+              <a:t>12/11/2018</a:t>
             </a:fld>
             <a:endParaRPr lang="en-SG"/>
           </a:p>
@@ -2398,7 +2398,7 @@
           <a:p>
             <a:fld id="{542F47FF-5056-41FF-A1F8-23A414798AA4}" type="datetimeFigureOut">
               <a:rPr lang="en-SG" smtClean="0"/>
-              <a:t>17/10/2018</a:t>
+              <a:t>12/11/2018</a:t>
             </a:fld>
             <a:endParaRPr lang="en-SG"/>
           </a:p>
@@ -2687,7 +2687,7 @@
           <a:p>
             <a:fld id="{542F47FF-5056-41FF-A1F8-23A414798AA4}" type="datetimeFigureOut">
               <a:rPr lang="en-SG" smtClean="0"/>
-              <a:t>17/10/2018</a:t>
+              <a:t>12/11/2018</a:t>
             </a:fld>
             <a:endParaRPr lang="en-SG"/>
           </a:p>
@@ -2930,7 +2930,7 @@
           <a:p>
             <a:fld id="{542F47FF-5056-41FF-A1F8-23A414798AA4}" type="datetimeFigureOut">
               <a:rPr lang="en-SG" smtClean="0"/>
-              <a:t>17/10/2018</a:t>
+              <a:t>12/11/2018</a:t>
             </a:fld>
             <a:endParaRPr lang="en-SG"/>
           </a:p>
@@ -3686,7 +3686,7 @@
         </p:nvCxnSpPr>
         <p:spPr>
           <a:xfrm>
-            <a:off x="9899851" y="4401390"/>
+            <a:off x="10455850" y="4402873"/>
             <a:ext cx="419377" cy="7529"/>
           </a:xfrm>
           <a:prstGeom prst="straightConnector1">
@@ -3725,7 +3725,7 @@
         </p:nvGrpSpPr>
         <p:grpSpPr>
           <a:xfrm>
-            <a:off x="10323834" y="4291084"/>
+            <a:off x="10879833" y="4292567"/>
             <a:ext cx="235669" cy="235669"/>
             <a:chOff x="8040730" y="5082186"/>
             <a:chExt cx="235669" cy="235669"/>
@@ -5981,7 +5981,7 @@
         </p:nvCxnSpPr>
         <p:spPr>
           <a:xfrm flipH="1" flipV="1">
-            <a:off x="9900904" y="2871298"/>
+            <a:off x="10456903" y="2872781"/>
             <a:ext cx="10098" cy="3117269"/>
           </a:xfrm>
           <a:prstGeom prst="line">
@@ -6223,8 +6223,8 @@
         </p:nvCxnSpPr>
         <p:spPr>
           <a:xfrm flipV="1">
-            <a:off x="8679088" y="5750207"/>
-            <a:ext cx="1221816" cy="1"/>
+            <a:off x="8679088" y="5750208"/>
+            <a:ext cx="1776762" cy="1"/>
           </a:xfrm>
           <a:prstGeom prst="bentConnector3">
             <a:avLst>
@@ -6268,7 +6268,7 @@
         <p:spPr>
           <a:xfrm>
             <a:off x="9415474" y="3543652"/>
-            <a:ext cx="500134" cy="9186"/>
+            <a:ext cx="1051527" cy="12700"/>
           </a:xfrm>
           <a:prstGeom prst="bentConnector3">
             <a:avLst>
